--- a/Amazon Sales Data Analysis.pptx
+++ b/Amazon Sales Data Analysis.pptx
@@ -5983,7 +5983,7 @@
               <a:t>Email: </a:t>
             </a:r>
             <a:r>
-              <a:rPr lang="en-US" dirty="0">
+              <a:rPr lang="en-US" sz="1800" dirty="0">
                 <a:latin typeface="Times New Roman" panose="02020603050405020304" pitchFamily="18" charset="0"/>
                 <a:cs typeface="Times New Roman" panose="02020603050405020304" pitchFamily="18" charset="0"/>
                 <a:hlinkClick r:id="rId3"/>
@@ -5991,11 +5991,11 @@
               <a:t>sivaprasad121333@gmail.com</a:t>
             </a:r>
             <a:r>
-              <a:rPr lang="en-US" dirty="0">
+              <a:rPr lang="en-US" sz="1800" dirty="0">
                 <a:latin typeface="Times New Roman" panose="02020603050405020304" pitchFamily="18" charset="0"/>
                 <a:cs typeface="Times New Roman" panose="02020603050405020304" pitchFamily="18" charset="0"/>
               </a:rPr>
-              <a:t>                                                         </a:t>
+              <a:t>                                                                                                 </a:t>
             </a:r>
             <a:r>
               <a:rPr lang="en-US" b="1" dirty="0">
@@ -6017,7 +6017,7 @@
               <a:t>LinkedIn : </a:t>
             </a:r>
             <a:r>
-              <a:rPr lang="en-US" dirty="0">
+              <a:rPr lang="en-US" sz="1800" dirty="0">
                 <a:solidFill>
                   <a:schemeClr val="accent1">
                     <a:lumMod val="75000"/>
@@ -6029,7 +6029,7 @@
               </a:rPr>
               <a:t>https://www.linkedin.com/in/sivaprasad121333</a:t>
             </a:r>
-            <a:endParaRPr lang="en-US" dirty="0">
+            <a:endParaRPr lang="en-US" sz="1800" dirty="0">
               <a:solidFill>
                 <a:schemeClr val="accent1">
                   <a:lumMod val="75000"/>
@@ -6051,7 +6051,7 @@
               <a:t>Github</a:t>
             </a:r>
             <a:r>
-              <a:rPr lang="en-US">
+              <a:rPr lang="en-US" dirty="0">
                 <a:solidFill>
                   <a:schemeClr val="accent1">
                     <a:lumMod val="75000"/>
@@ -6060,9 +6060,21 @@
                 <a:latin typeface="Times New Roman" panose="02020603050405020304" pitchFamily="18" charset="0"/>
                 <a:cs typeface="Times New Roman" panose="02020603050405020304" pitchFamily="18" charset="0"/>
               </a:rPr>
-              <a:t>: https://github.com/SIVAPRASAD121333</a:t>
+              <a:t>: </a:t>
             </a:r>
-            <a:endParaRPr lang="en-IN" dirty="0">
+            <a:r>
+              <a:rPr lang="en-US" sz="1600" dirty="0">
+                <a:solidFill>
+                  <a:schemeClr val="accent1">
+                    <a:lumMod val="75000"/>
+                  </a:schemeClr>
+                </a:solidFill>
+                <a:latin typeface="Times New Roman" panose="02020603050405020304" pitchFamily="18" charset="0"/>
+                <a:cs typeface="Times New Roman" panose="02020603050405020304" pitchFamily="18" charset="0"/>
+              </a:rPr>
+              <a:t>https://github.com/SIVAPRASAD121333/AMAZON-SALES-DATA-ANALYSIS</a:t>
+            </a:r>
+            <a:endParaRPr lang="en-IN" sz="1600" dirty="0">
               <a:solidFill>
                 <a:schemeClr val="accent1">
                   <a:lumMod val="75000"/>
@@ -9585,7 +9597,7 @@
                         </a:spcAft>
                       </a:pPr>
                       <a:r>
-                        <a:rPr lang="en-US" sz="1200">
+                        <a:rPr lang="en-US" sz="1200" dirty="0">
                           <a:effectLst/>
                         </a:rPr>
                         <a:t>The time at which the purchase was made</a:t>
@@ -24404,6 +24416,15 @@
 </file>
 
 <file path=customXml/item1.xml><?xml version="1.0" encoding="utf-8"?>
+<?mso-contentType ?>
+<FormTemplates xmlns="http://schemas.microsoft.com/sharepoint/v3/contenttype/forms">
+  <Display>DocumentLibraryForm</Display>
+  <Edit>DocumentLibraryForm</Edit>
+  <New>DocumentLibraryForm</New>
+</FormTemplates>
+</file>
+
+<file path=customXml/item2.xml><?xml version="1.0" encoding="utf-8"?>
 <p:properties xmlns:p="http://schemas.microsoft.com/office/2006/metadata/properties" xmlns:xsi="http://www.w3.org/2001/XMLSchema-instance" xmlns:pc="http://schemas.microsoft.com/office/infopath/2007/PartnerControls">
   <documentManagement>
     <_ip_UnifiedCompliancePolicyUIAction xmlns="http://schemas.microsoft.com/sharepoint/v3" xsi:nil="true"/>
@@ -24421,15 +24442,6 @@
     <MediaServiceKeyPoints xmlns="71af3243-3dd4-4a8d-8c0d-dd76da1f02a5" xsi:nil="true"/>
   </documentManagement>
 </p:properties>
-</file>
-
-<file path=customXml/item2.xml><?xml version="1.0" encoding="utf-8"?>
-<?mso-contentType ?>
-<FormTemplates xmlns="http://schemas.microsoft.com/sharepoint/v3/contenttype/forms">
-  <Display>DocumentLibraryForm</Display>
-  <Edit>DocumentLibraryForm</Edit>
-  <New>DocumentLibraryForm</New>
-</FormTemplates>
 </file>
 
 <file path=customXml/item3.xml><?xml version="1.0" encoding="utf-8"?>
@@ -24739,6 +24751,14 @@
 </file>
 
 <file path=customXml/itemProps1.xml><?xml version="1.0" encoding="utf-8"?>
+<ds:datastoreItem xmlns:ds="http://schemas.openxmlformats.org/officeDocument/2006/customXml" ds:itemID="{5563EE24-83AF-4B4D-B45B-11D1ECD4364A}">
+  <ds:schemaRefs>
+    <ds:schemaRef ds:uri="http://schemas.microsoft.com/sharepoint/v3/contenttype/forms"/>
+  </ds:schemaRefs>
+</ds:datastoreItem>
+</file>
+
+<file path=customXml/itemProps2.xml><?xml version="1.0" encoding="utf-8"?>
 <ds:datastoreItem xmlns:ds="http://schemas.openxmlformats.org/officeDocument/2006/customXml" ds:itemID="{5A3EE4EA-81C0-48D0-BEBD-A2EFD6B38B42}">
   <ds:schemaRefs>
     <ds:schemaRef ds:uri="http://purl.org/dc/dcmitype/"/>
@@ -24753,14 +24773,6 @@
     <ds:schemaRef ds:uri="http://schemas.openxmlformats.org/package/2006/metadata/core-properties"/>
     <ds:schemaRef ds:uri="230e9df3-be65-4c73-a93b-d1236ebd677e"/>
     <ds:schemaRef ds:uri="http://schemas.microsoft.com/sharepoint/v3"/>
-  </ds:schemaRefs>
-</ds:datastoreItem>
-</file>
-
-<file path=customXml/itemProps2.xml><?xml version="1.0" encoding="utf-8"?>
-<ds:datastoreItem xmlns:ds="http://schemas.openxmlformats.org/officeDocument/2006/customXml" ds:itemID="{5563EE24-83AF-4B4D-B45B-11D1ECD4364A}">
-  <ds:schemaRefs>
-    <ds:schemaRef ds:uri="http://schemas.microsoft.com/sharepoint/v3/contenttype/forms"/>
   </ds:schemaRefs>
 </ds:datastoreItem>
 </file>
